--- a/JAVA程式設計實習.pptx
+++ b/JAVA程式設計實習.pptx
@@ -109,6 +109,11 @@
       </a:defRPr>
     </a:lvl9pPr>
   </p:defaultTextStyle>
+  <p:extLst>
+    <p:ext uri="{EFAFB233-063F-42B5-8137-9DF3F51BA10A}">
+      <p15:sldGuideLst xmlns:p15="http://schemas.microsoft.com/office/powerpoint/2012/main"/>
+    </p:ext>
+  </p:extLst>
 </p:presentation>
 </file>
 
@@ -303,7 +308,7 @@
           <a:p>
             <a:fld id="{A6373948-3861-4523-8D5E-B6D9D6CA4211}" type="datetimeFigureOut">
               <a:rPr lang="zh-TW" altLang="en-US" smtClean="0"/>
-              <a:t>2025/5/17</a:t>
+              <a:t>2025/5/18</a:t>
             </a:fld>
             <a:endParaRPr lang="zh-TW" altLang="en-US"/>
           </a:p>
@@ -739,7 +744,7 @@
           <a:p>
             <a:fld id="{A6373948-3861-4523-8D5E-B6D9D6CA4211}" type="datetimeFigureOut">
               <a:rPr lang="zh-TW" altLang="en-US" smtClean="0"/>
-              <a:t>2025/5/17</a:t>
+              <a:t>2025/5/18</a:t>
             </a:fld>
             <a:endParaRPr lang="zh-TW" altLang="en-US"/>
           </a:p>
@@ -989,7 +994,7 @@
           <a:p>
             <a:fld id="{A6373948-3861-4523-8D5E-B6D9D6CA4211}" type="datetimeFigureOut">
               <a:rPr lang="zh-TW" altLang="en-US" smtClean="0"/>
-              <a:t>2025/5/17</a:t>
+              <a:t>2025/5/18</a:t>
             </a:fld>
             <a:endParaRPr lang="zh-TW" altLang="en-US"/>
           </a:p>
@@ -1297,7 +1302,7 @@
           <a:p>
             <a:fld id="{A6373948-3861-4523-8D5E-B6D9D6CA4211}" type="datetimeFigureOut">
               <a:rPr lang="zh-TW" altLang="en-US" smtClean="0"/>
-              <a:t>2025/5/17</a:t>
+              <a:t>2025/5/18</a:t>
             </a:fld>
             <a:endParaRPr lang="zh-TW" altLang="en-US"/>
           </a:p>
@@ -1615,7 +1620,7 @@
           <a:p>
             <a:fld id="{A6373948-3861-4523-8D5E-B6D9D6CA4211}" type="datetimeFigureOut">
               <a:rPr lang="zh-TW" altLang="en-US" smtClean="0"/>
-              <a:t>2025/5/17</a:t>
+              <a:t>2025/5/18</a:t>
             </a:fld>
             <a:endParaRPr lang="zh-TW" altLang="en-US"/>
           </a:p>
@@ -1917,7 +1922,7 @@
           <a:p>
             <a:fld id="{A6373948-3861-4523-8D5E-B6D9D6CA4211}" type="datetimeFigureOut">
               <a:rPr lang="zh-TW" altLang="en-US" smtClean="0"/>
-              <a:t>2025/5/17</a:t>
+              <a:t>2025/5/18</a:t>
             </a:fld>
             <a:endParaRPr lang="zh-TW" altLang="en-US"/>
           </a:p>
@@ -2284,7 +2289,7 @@
           <a:p>
             <a:fld id="{A6373948-3861-4523-8D5E-B6D9D6CA4211}" type="datetimeFigureOut">
               <a:rPr lang="zh-TW" altLang="en-US" smtClean="0"/>
-              <a:t>2025/5/17</a:t>
+              <a:t>2025/5/18</a:t>
             </a:fld>
             <a:endParaRPr lang="zh-TW" altLang="en-US"/>
           </a:p>
@@ -2458,7 +2463,7 @@
           <a:p>
             <a:fld id="{A6373948-3861-4523-8D5E-B6D9D6CA4211}" type="datetimeFigureOut">
               <a:rPr lang="zh-TW" altLang="en-US" smtClean="0"/>
-              <a:t>2025/5/17</a:t>
+              <a:t>2025/5/18</a:t>
             </a:fld>
             <a:endParaRPr lang="zh-TW" altLang="en-US"/>
           </a:p>
@@ -2638,7 +2643,7 @@
           <a:p>
             <a:fld id="{A6373948-3861-4523-8D5E-B6D9D6CA4211}" type="datetimeFigureOut">
               <a:rPr lang="zh-TW" altLang="en-US" smtClean="0"/>
-              <a:t>2025/5/17</a:t>
+              <a:t>2025/5/18</a:t>
             </a:fld>
             <a:endParaRPr lang="zh-TW" altLang="en-US"/>
           </a:p>
@@ -2808,7 +2813,7 @@
           <a:p>
             <a:fld id="{A6373948-3861-4523-8D5E-B6D9D6CA4211}" type="datetimeFigureOut">
               <a:rPr lang="zh-TW" altLang="en-US" smtClean="0"/>
-              <a:t>2025/5/17</a:t>
+              <a:t>2025/5/18</a:t>
             </a:fld>
             <a:endParaRPr lang="zh-TW" altLang="en-US"/>
           </a:p>
@@ -3058,7 +3063,7 @@
           <a:p>
             <a:fld id="{A6373948-3861-4523-8D5E-B6D9D6CA4211}" type="datetimeFigureOut">
               <a:rPr lang="zh-TW" altLang="en-US" smtClean="0"/>
-              <a:t>2025/5/17</a:t>
+              <a:t>2025/5/18</a:t>
             </a:fld>
             <a:endParaRPr lang="zh-TW" altLang="en-US"/>
           </a:p>
@@ -3294,7 +3299,7 @@
           <a:p>
             <a:fld id="{A6373948-3861-4523-8D5E-B6D9D6CA4211}" type="datetimeFigureOut">
               <a:rPr lang="zh-TW" altLang="en-US" smtClean="0"/>
-              <a:t>2025/5/17</a:t>
+              <a:t>2025/5/18</a:t>
             </a:fld>
             <a:endParaRPr lang="zh-TW" altLang="en-US"/>
           </a:p>
@@ -3676,7 +3681,7 @@
           <a:p>
             <a:fld id="{A6373948-3861-4523-8D5E-B6D9D6CA4211}" type="datetimeFigureOut">
               <a:rPr lang="zh-TW" altLang="en-US" smtClean="0"/>
-              <a:t>2025/5/17</a:t>
+              <a:t>2025/5/18</a:t>
             </a:fld>
             <a:endParaRPr lang="zh-TW" altLang="en-US"/>
           </a:p>
@@ -3794,7 +3799,7 @@
           <a:p>
             <a:fld id="{A6373948-3861-4523-8D5E-B6D9D6CA4211}" type="datetimeFigureOut">
               <a:rPr lang="zh-TW" altLang="en-US" smtClean="0"/>
-              <a:t>2025/5/17</a:t>
+              <a:t>2025/5/18</a:t>
             </a:fld>
             <a:endParaRPr lang="zh-TW" altLang="en-US"/>
           </a:p>
@@ -3889,7 +3894,7 @@
           <a:p>
             <a:fld id="{A6373948-3861-4523-8D5E-B6D9D6CA4211}" type="datetimeFigureOut">
               <a:rPr lang="zh-TW" altLang="en-US" smtClean="0"/>
-              <a:t>2025/5/17</a:t>
+              <a:t>2025/5/18</a:t>
             </a:fld>
             <a:endParaRPr lang="zh-TW" altLang="en-US"/>
           </a:p>
@@ -4144,7 +4149,7 @@
           <a:p>
             <a:fld id="{A6373948-3861-4523-8D5E-B6D9D6CA4211}" type="datetimeFigureOut">
               <a:rPr lang="zh-TW" altLang="en-US" smtClean="0"/>
-              <a:t>2025/5/17</a:t>
+              <a:t>2025/5/18</a:t>
             </a:fld>
             <a:endParaRPr lang="zh-TW" altLang="en-US"/>
           </a:p>
@@ -4427,7 +4432,7 @@
           <a:p>
             <a:fld id="{A6373948-3861-4523-8D5E-B6D9D6CA4211}" type="datetimeFigureOut">
               <a:rPr lang="zh-TW" altLang="en-US" smtClean="0"/>
-              <a:t>2025/5/17</a:t>
+              <a:t>2025/5/18</a:t>
             </a:fld>
             <a:endParaRPr lang="zh-TW" altLang="en-US"/>
           </a:p>
@@ -4833,7 +4838,7 @@
           <a:p>
             <a:fld id="{A6373948-3861-4523-8D5E-B6D9D6CA4211}" type="datetimeFigureOut">
               <a:rPr lang="zh-TW" altLang="en-US" smtClean="0"/>
-              <a:t>2025/5/17</a:t>
+              <a:t>2025/5/18</a:t>
             </a:fld>
             <a:endParaRPr lang="zh-TW" altLang="en-US"/>
           </a:p>
@@ -5810,14 +5815,14 @@
             <p:ph idx="1"/>
             <p:extLst>
               <p:ext uri="{D42A27DB-BD31-4B8C-83A1-F6EECF244321}">
-                <p14:modId xmlns:p14="http://schemas.microsoft.com/office/powerpoint/2010/main" val="1917250973"/>
+                <p14:modId xmlns:p14="http://schemas.microsoft.com/office/powerpoint/2010/main" val="1765989378"/>
               </p:ext>
             </p:extLst>
           </p:nvPr>
         </p:nvGraphicFramePr>
         <p:xfrm>
           <a:off x="684213" y="2447449"/>
-          <a:ext cx="8534400" cy="1097280"/>
+          <a:ext cx="8534400" cy="1371600"/>
         </p:xfrm>
         <a:graphic>
           <a:graphicData uri="http://schemas.openxmlformats.org/drawingml/2006/table">
@@ -6080,7 +6085,7 @@
                     <a:p>
                       <a:r>
                         <a:rPr lang="zh-TW" altLang="en-US" dirty="0"/>
-                        <a:t>碰撞邏輯、影片製作</a:t>
+                        <a:t>碰撞邏輯、音效、難度、影片製作</a:t>
                       </a:r>
                     </a:p>
                   </a:txBody>
